--- a/Apresentação.pptx
+++ b/Apresentação.pptx
@@ -13,6 +13,7 @@
     <p:sldId id="263" r:id="rId7"/>
     <p:sldId id="262" r:id="rId8"/>
     <p:sldId id="257" r:id="rId9"/>
+    <p:sldId id="265" r:id="rId10"/>
   </p:sldIdLst>
   <p:sldSz cx="12192000" cy="6858000"/>
   <p:notesSz cx="6858000" cy="9144000"/>
@@ -111,6 +112,11 @@
       </a:defRPr>
     </a:lvl9pPr>
   </p:defaultTextStyle>
+  <p:extLst>
+    <p:ext uri="{EFAFB233-063F-42B5-8137-9DF3F51BA10A}">
+      <p15:sldGuideLst xmlns:p15="http://schemas.microsoft.com/office/powerpoint/2012/main"/>
+    </p:ext>
+  </p:extLst>
 </p:presentation>
 </file>
 
@@ -4598,40 +4604,340 @@
           <a:p>
             <a:r>
               <a:rPr lang="pt-BR" dirty="0"/>
-              <a:t>exemplos</a:t>
-            </a:r>
-          </a:p>
-        </p:txBody>
-      </p:sp>
-      <p:sp>
-        <p:nvSpPr>
-          <p:cNvPr id="3" name="Espaço Reservado para Conteúdo 2">
+              <a:t>Exemplo - Simples</a:t>
+            </a:r>
+          </a:p>
+        </p:txBody>
+      </p:sp>
+      <p:pic>
+        <p:nvPicPr>
+          <p:cNvPr id="7" name="Espaço Reservado para Conteúdo 6" descr="Texto&#10;&#10;Descrição gerada automaticamente">
             <a:extLst>
               <a:ext uri="{FF2B5EF4-FFF2-40B4-BE49-F238E27FC236}">
-                <a16:creationId xmlns:a16="http://schemas.microsoft.com/office/drawing/2014/main" id="{1897DC87-89A0-81FF-5AC4-1AF5758101D0}"/>
+                <a16:creationId xmlns:a16="http://schemas.microsoft.com/office/drawing/2014/main" id="{F6E31288-2912-2369-404A-6B26A0461B5C}"/>
               </a:ext>
             </a:extLst>
           </p:cNvPr>
-          <p:cNvSpPr>
-            <a:spLocks noGrp="1"/>
-          </p:cNvSpPr>
+          <p:cNvPicPr>
+            <a:picLocks noGrp="1" noChangeAspect="1"/>
+          </p:cNvPicPr>
           <p:nvPr>
             <p:ph idx="1"/>
           </p:nvPr>
-        </p:nvSpPr>
-        <p:spPr/>
-        <p:txBody>
-          <a:bodyPr/>
-          <a:lstStyle/>
-          <a:p>
-            <a:endParaRPr lang="pt-BR"/>
-          </a:p>
-        </p:txBody>
-      </p:sp>
+        </p:nvPicPr>
+        <p:blipFill>
+          <a:blip r:embed="rId2">
+            <a:extLst>
+              <a:ext uri="{28A0092B-C50C-407E-A947-70E740481C1C}">
+                <a14:useLocalDpi xmlns:a14="http://schemas.microsoft.com/office/drawing/2010/main" val="0"/>
+              </a:ext>
+            </a:extLst>
+          </a:blip>
+          <a:stretch>
+            <a:fillRect/>
+          </a:stretch>
+        </p:blipFill>
+        <p:spPr>
+          <a:xfrm>
+            <a:off x="2395038" y="2825613"/>
+            <a:ext cx="3439305" cy="2925976"/>
+          </a:xfrm>
+        </p:spPr>
+      </p:pic>
+      <p:sp>
+        <p:nvSpPr>
+          <p:cNvPr id="8" name="Seta: para a Direita 7">
+            <a:extLst>
+              <a:ext uri="{FF2B5EF4-FFF2-40B4-BE49-F238E27FC236}">
+                <a16:creationId xmlns:a16="http://schemas.microsoft.com/office/drawing/2014/main" id="{908CF69A-60D1-491A-69F3-874155B0FBC0}"/>
+              </a:ext>
+            </a:extLst>
+          </p:cNvPr>
+          <p:cNvSpPr/>
+          <p:nvPr/>
+        </p:nvSpPr>
+        <p:spPr>
+          <a:xfrm>
+            <a:off x="5834343" y="4019672"/>
+            <a:ext cx="905773" cy="474452"/>
+          </a:xfrm>
+          <a:prstGeom prst="rightArrow">
+            <a:avLst/>
+          </a:prstGeom>
+        </p:spPr>
+        <p:style>
+          <a:lnRef idx="2">
+            <a:schemeClr val="accent5"/>
+          </a:lnRef>
+          <a:fillRef idx="1">
+            <a:schemeClr val="lt1"/>
+          </a:fillRef>
+          <a:effectRef idx="0">
+            <a:schemeClr val="accent5"/>
+          </a:effectRef>
+          <a:fontRef idx="minor">
+            <a:schemeClr val="dk1"/>
+          </a:fontRef>
+        </p:style>
+        <p:txBody>
+          <a:bodyPr rtlCol="0" anchor="ctr"/>
+          <a:lstStyle/>
+          <a:p>
+            <a:pPr algn="ctr"/>
+            <a:endParaRPr lang="pt-BR" b="1">
+              <a:ln w="10160">
+                <a:solidFill>
+                  <a:schemeClr val="accent5"/>
+                </a:solidFill>
+                <a:prstDash val="solid"/>
+              </a:ln>
+              <a:solidFill>
+                <a:srgbClr val="FFFFFF"/>
+              </a:solidFill>
+              <a:effectLst>
+                <a:outerShdw blurRad="38100" dist="22860" dir="5400000" algn="tl" rotWithShape="0">
+                  <a:srgbClr val="000000">
+                    <a:alpha val="30000"/>
+                  </a:srgbClr>
+                </a:outerShdw>
+              </a:effectLst>
+            </a:endParaRPr>
+          </a:p>
+        </p:txBody>
+      </p:sp>
+      <p:pic>
+        <p:nvPicPr>
+          <p:cNvPr id="11" name="Imagem 10" descr="Uma imagem contendo Interface gráfica do usuário&#10;&#10;Descrição gerada automaticamente">
+            <a:extLst>
+              <a:ext uri="{FF2B5EF4-FFF2-40B4-BE49-F238E27FC236}">
+                <a16:creationId xmlns:a16="http://schemas.microsoft.com/office/drawing/2014/main" id="{E0B50042-EC95-6FBC-7C2D-830256068B40}"/>
+              </a:ext>
+            </a:extLst>
+          </p:cNvPr>
+          <p:cNvPicPr>
+            <a:picLocks noChangeAspect="1"/>
+          </p:cNvPicPr>
+          <p:nvPr/>
+        </p:nvPicPr>
+        <p:blipFill>
+          <a:blip r:embed="rId3">
+            <a:extLst>
+              <a:ext uri="{28A0092B-C50C-407E-A947-70E740481C1C}">
+                <a14:useLocalDpi xmlns:a14="http://schemas.microsoft.com/office/drawing/2010/main" val="0"/>
+              </a:ext>
+            </a:extLst>
+          </a:blip>
+          <a:stretch>
+            <a:fillRect/>
+          </a:stretch>
+        </p:blipFill>
+        <p:spPr>
+          <a:xfrm>
+            <a:off x="6740116" y="3079840"/>
+            <a:ext cx="3013266" cy="2354115"/>
+          </a:xfrm>
+          <a:prstGeom prst="rect">
+            <a:avLst/>
+          </a:prstGeom>
+        </p:spPr>
+      </p:pic>
     </p:spTree>
     <p:extLst>
       <p:ext uri="{BB962C8B-B14F-4D97-AF65-F5344CB8AC3E}">
         <p14:creationId xmlns:p14="http://schemas.microsoft.com/office/powerpoint/2010/main" val="1387921708"/>
+      </p:ext>
+    </p:extLst>
+  </p:cSld>
+  <p:clrMapOvr>
+    <a:masterClrMapping/>
+  </p:clrMapOvr>
+</p:sld>
+</file>
+
+<file path=ppt/slides/slide9.xml><?xml version="1.0" encoding="utf-8"?>
+<p:sld xmlns:a="http://schemas.openxmlformats.org/drawingml/2006/main" xmlns:r="http://schemas.openxmlformats.org/officeDocument/2006/relationships" xmlns:p="http://schemas.openxmlformats.org/presentationml/2006/main">
+  <p:cSld>
+    <p:spTree>
+      <p:nvGrpSpPr>
+        <p:cNvPr id="1" name=""/>
+        <p:cNvGrpSpPr/>
+        <p:nvPr/>
+      </p:nvGrpSpPr>
+      <p:grpSpPr>
+        <a:xfrm>
+          <a:off x="0" y="0"/>
+          <a:ext cx="0" cy="0"/>
+          <a:chOff x="0" y="0"/>
+          <a:chExt cx="0" cy="0"/>
+        </a:xfrm>
+      </p:grpSpPr>
+      <p:sp>
+        <p:nvSpPr>
+          <p:cNvPr id="2" name="Título 1">
+            <a:extLst>
+              <a:ext uri="{FF2B5EF4-FFF2-40B4-BE49-F238E27FC236}">
+                <a16:creationId xmlns:a16="http://schemas.microsoft.com/office/drawing/2014/main" id="{B25F4464-04C6-6B51-0B9C-6BC83DC1C122}"/>
+              </a:ext>
+            </a:extLst>
+          </p:cNvPr>
+          <p:cNvSpPr>
+            <a:spLocks noGrp="1"/>
+          </p:cNvSpPr>
+          <p:nvPr>
+            <p:ph type="title"/>
+          </p:nvPr>
+        </p:nvSpPr>
+        <p:spPr>
+          <a:xfrm>
+            <a:off x="2231136" y="343590"/>
+            <a:ext cx="7729728" cy="1188720"/>
+          </a:xfrm>
+        </p:spPr>
+        <p:txBody>
+          <a:bodyPr/>
+          <a:lstStyle/>
+          <a:p>
+            <a:r>
+              <a:rPr lang="pt-BR" dirty="0"/>
+              <a:t>Exemplo - COMPLEXO</a:t>
+            </a:r>
+          </a:p>
+        </p:txBody>
+      </p:sp>
+      <p:pic>
+        <p:nvPicPr>
+          <p:cNvPr id="7" name="Espaço Reservado para Conteúdo 6">
+            <a:extLst>
+              <a:ext uri="{FF2B5EF4-FFF2-40B4-BE49-F238E27FC236}">
+                <a16:creationId xmlns:a16="http://schemas.microsoft.com/office/drawing/2014/main" id="{F6E31288-2912-2369-404A-6B26A0461B5C}"/>
+              </a:ext>
+            </a:extLst>
+          </p:cNvPr>
+          <p:cNvPicPr>
+            <a:picLocks noGrp="1" noChangeAspect="1"/>
+          </p:cNvPicPr>
+          <p:nvPr>
+            <p:ph idx="1"/>
+          </p:nvPr>
+        </p:nvPicPr>
+        <p:blipFill>
+          <a:blip r:embed="rId2">
+            <a:extLst>
+              <a:ext uri="{28A0092B-C50C-407E-A947-70E740481C1C}">
+                <a14:useLocalDpi xmlns:a14="http://schemas.microsoft.com/office/drawing/2010/main" val="0"/>
+              </a:ext>
+            </a:extLst>
+          </a:blip>
+          <a:srcRect/>
+          <a:stretch/>
+        </p:blipFill>
+        <p:spPr>
+          <a:xfrm>
+            <a:off x="1854460" y="1682611"/>
+            <a:ext cx="3979883" cy="4895419"/>
+          </a:xfrm>
+        </p:spPr>
+      </p:pic>
+      <p:sp>
+        <p:nvSpPr>
+          <p:cNvPr id="8" name="Seta: para a Direita 7">
+            <a:extLst>
+              <a:ext uri="{FF2B5EF4-FFF2-40B4-BE49-F238E27FC236}">
+                <a16:creationId xmlns:a16="http://schemas.microsoft.com/office/drawing/2014/main" id="{908CF69A-60D1-491A-69F3-874155B0FBC0}"/>
+              </a:ext>
+            </a:extLst>
+          </p:cNvPr>
+          <p:cNvSpPr/>
+          <p:nvPr/>
+        </p:nvSpPr>
+        <p:spPr>
+          <a:xfrm>
+            <a:off x="5834343" y="3893094"/>
+            <a:ext cx="905773" cy="474452"/>
+          </a:xfrm>
+          <a:prstGeom prst="rightArrow">
+            <a:avLst/>
+          </a:prstGeom>
+        </p:spPr>
+        <p:style>
+          <a:lnRef idx="2">
+            <a:schemeClr val="accent5"/>
+          </a:lnRef>
+          <a:fillRef idx="1">
+            <a:schemeClr val="lt1"/>
+          </a:fillRef>
+          <a:effectRef idx="0">
+            <a:schemeClr val="accent5"/>
+          </a:effectRef>
+          <a:fontRef idx="minor">
+            <a:schemeClr val="dk1"/>
+          </a:fontRef>
+        </p:style>
+        <p:txBody>
+          <a:bodyPr rtlCol="0" anchor="ctr"/>
+          <a:lstStyle/>
+          <a:p>
+            <a:pPr algn="ctr"/>
+            <a:endParaRPr lang="pt-BR" b="1">
+              <a:ln w="10160">
+                <a:solidFill>
+                  <a:schemeClr val="accent5"/>
+                </a:solidFill>
+                <a:prstDash val="solid"/>
+              </a:ln>
+              <a:solidFill>
+                <a:srgbClr val="FFFFFF"/>
+              </a:solidFill>
+              <a:effectLst>
+                <a:outerShdw blurRad="38100" dist="22860" dir="5400000" algn="tl" rotWithShape="0">
+                  <a:srgbClr val="000000">
+                    <a:alpha val="30000"/>
+                  </a:srgbClr>
+                </a:outerShdw>
+              </a:effectLst>
+            </a:endParaRPr>
+          </a:p>
+        </p:txBody>
+      </p:sp>
+      <p:pic>
+        <p:nvPicPr>
+          <p:cNvPr id="11" name="Imagem 10">
+            <a:extLst>
+              <a:ext uri="{FF2B5EF4-FFF2-40B4-BE49-F238E27FC236}">
+                <a16:creationId xmlns:a16="http://schemas.microsoft.com/office/drawing/2014/main" id="{E0B50042-EC95-6FBC-7C2D-830256068B40}"/>
+              </a:ext>
+            </a:extLst>
+          </p:cNvPr>
+          <p:cNvPicPr>
+            <a:picLocks noChangeAspect="1"/>
+          </p:cNvPicPr>
+          <p:nvPr/>
+        </p:nvPicPr>
+        <p:blipFill>
+          <a:blip r:embed="rId3">
+            <a:extLst>
+              <a:ext uri="{28A0092B-C50C-407E-A947-70E740481C1C}">
+                <a14:useLocalDpi xmlns:a14="http://schemas.microsoft.com/office/drawing/2010/main" val="0"/>
+              </a:ext>
+            </a:extLst>
+          </a:blip>
+          <a:srcRect/>
+          <a:stretch/>
+        </p:blipFill>
+        <p:spPr>
+          <a:xfrm>
+            <a:off x="6740116" y="2375229"/>
+            <a:ext cx="3373422" cy="3510182"/>
+          </a:xfrm>
+          <a:prstGeom prst="rect">
+            <a:avLst/>
+          </a:prstGeom>
+        </p:spPr>
+      </p:pic>
+    </p:spTree>
+    <p:extLst>
+      <p:ext uri="{BB962C8B-B14F-4D97-AF65-F5344CB8AC3E}">
+        <p14:creationId xmlns:p14="http://schemas.microsoft.com/office/powerpoint/2010/main" val="3070256584"/>
       </p:ext>
     </p:extLst>
   </p:cSld>
